--- a/docs/4.algorithm/3.leetcode/gif/gif制作.pptx
+++ b/docs/4.algorithm/3.leetcode/gif/gif制作.pptx
@@ -5,10 +5,12 @@
     <p:sldMasterId id="2147483648" r:id="rId1"/>
   </p:sldMasterIdLst>
   <p:notesMasterIdLst>
-    <p:notesMasterId r:id="rId3"/>
+    <p:notesMasterId r:id="rId5"/>
   </p:notesMasterIdLst>
   <p:sldIdLst>
     <p:sldId id="267" r:id="rId2"/>
+    <p:sldId id="268" r:id="rId3"/>
+    <p:sldId id="269" r:id="rId4"/>
   </p:sldIdLst>
   <p:sldSz cx="12192000" cy="6858000"/>
   <p:notesSz cx="6858000" cy="9144000"/>
@@ -562,6 +564,196 @@
     <p:extLst>
       <p:ext uri="{BB962C8B-B14F-4D97-AF65-F5344CB8AC3E}">
         <p14:creationId xmlns:p14="http://schemas.microsoft.com/office/powerpoint/2010/main" val="2704131633"/>
+      </p:ext>
+    </p:extLst>
+  </p:cSld>
+  <p:clrMapOvr>
+    <a:masterClrMapping/>
+  </p:clrMapOvr>
+</p:notes>
+</file>
+
+<file path=ppt/notesSlides/notesSlide2.xml><?xml version="1.0" encoding="utf-8"?>
+<p:notes xmlns:a="http://schemas.openxmlformats.org/drawingml/2006/main" xmlns:r="http://schemas.openxmlformats.org/officeDocument/2006/relationships" xmlns:p="http://schemas.openxmlformats.org/presentationml/2006/main">
+  <p:cSld>
+    <p:spTree>
+      <p:nvGrpSpPr>
+        <p:cNvPr id="1" name=""/>
+        <p:cNvGrpSpPr/>
+        <p:nvPr/>
+      </p:nvGrpSpPr>
+      <p:grpSpPr>
+        <a:xfrm>
+          <a:off x="0" y="0"/>
+          <a:ext cx="0" cy="0"/>
+          <a:chOff x="0" y="0"/>
+          <a:chExt cx="0" cy="0"/>
+        </a:xfrm>
+      </p:grpSpPr>
+      <p:sp>
+        <p:nvSpPr>
+          <p:cNvPr id="2" name="幻灯片图像占位符 1"/>
+          <p:cNvSpPr>
+            <a:spLocks noGrp="1" noRot="1" noChangeAspect="1"/>
+          </p:cNvSpPr>
+          <p:nvPr>
+            <p:ph type="sldImg"/>
+          </p:nvPr>
+        </p:nvSpPr>
+        <p:spPr/>
+      </p:sp>
+      <p:sp>
+        <p:nvSpPr>
+          <p:cNvPr id="3" name="备注占位符 2"/>
+          <p:cNvSpPr>
+            <a:spLocks noGrp="1"/>
+          </p:cNvSpPr>
+          <p:nvPr>
+            <p:ph type="body" idx="1"/>
+          </p:nvPr>
+        </p:nvSpPr>
+        <p:spPr/>
+        <p:txBody>
+          <a:bodyPr/>
+          <a:lstStyle/>
+          <a:p>
+            <a:r>
+              <a:rPr lang="zh-CN" altLang="en-US" dirty="0"/>
+              <a:t>第二章、链表</a:t>
+            </a:r>
+            <a:r>
+              <a:rPr lang="en-US" altLang="zh-CN" dirty="0"/>
+              <a:t>——</a:t>
+            </a:r>
+            <a:r>
+              <a:rPr lang="zh-CN" altLang="en-US" dirty="0"/>
+              <a:t>单链表</a:t>
+            </a:r>
+          </a:p>
+        </p:txBody>
+      </p:sp>
+      <p:sp>
+        <p:nvSpPr>
+          <p:cNvPr id="4" name="灯片编号占位符 3"/>
+          <p:cNvSpPr>
+            <a:spLocks noGrp="1"/>
+          </p:cNvSpPr>
+          <p:nvPr>
+            <p:ph type="sldNum" sz="quarter" idx="5"/>
+          </p:nvPr>
+        </p:nvSpPr>
+        <p:spPr/>
+        <p:txBody>
+          <a:bodyPr/>
+          <a:lstStyle/>
+          <a:p>
+            <a:fld id="{7B1AB8BF-8C38-45E1-922D-85AF3569A108}" type="slidenum">
+              <a:rPr lang="zh-CN" altLang="en-US" smtClean="0"/>
+              <a:t>2</a:t>
+            </a:fld>
+            <a:endParaRPr lang="zh-CN" altLang="en-US"/>
+          </a:p>
+        </p:txBody>
+      </p:sp>
+    </p:spTree>
+    <p:extLst>
+      <p:ext uri="{BB962C8B-B14F-4D97-AF65-F5344CB8AC3E}">
+        <p14:creationId xmlns:p14="http://schemas.microsoft.com/office/powerpoint/2010/main" val="200331535"/>
+      </p:ext>
+    </p:extLst>
+  </p:cSld>
+  <p:clrMapOvr>
+    <a:masterClrMapping/>
+  </p:clrMapOvr>
+</p:notes>
+</file>
+
+<file path=ppt/notesSlides/notesSlide3.xml><?xml version="1.0" encoding="utf-8"?>
+<p:notes xmlns:a="http://schemas.openxmlformats.org/drawingml/2006/main" xmlns:r="http://schemas.openxmlformats.org/officeDocument/2006/relationships" xmlns:p="http://schemas.openxmlformats.org/presentationml/2006/main">
+  <p:cSld>
+    <p:spTree>
+      <p:nvGrpSpPr>
+        <p:cNvPr id="1" name=""/>
+        <p:cNvGrpSpPr/>
+        <p:nvPr/>
+      </p:nvGrpSpPr>
+      <p:grpSpPr>
+        <a:xfrm>
+          <a:off x="0" y="0"/>
+          <a:ext cx="0" cy="0"/>
+          <a:chOff x="0" y="0"/>
+          <a:chExt cx="0" cy="0"/>
+        </a:xfrm>
+      </p:grpSpPr>
+      <p:sp>
+        <p:nvSpPr>
+          <p:cNvPr id="2" name="幻灯片图像占位符 1"/>
+          <p:cNvSpPr>
+            <a:spLocks noGrp="1" noRot="1" noChangeAspect="1"/>
+          </p:cNvSpPr>
+          <p:nvPr>
+            <p:ph type="sldImg"/>
+          </p:nvPr>
+        </p:nvSpPr>
+        <p:spPr/>
+      </p:sp>
+      <p:sp>
+        <p:nvSpPr>
+          <p:cNvPr id="3" name="备注占位符 2"/>
+          <p:cNvSpPr>
+            <a:spLocks noGrp="1"/>
+          </p:cNvSpPr>
+          <p:nvPr>
+            <p:ph type="body" idx="1"/>
+          </p:nvPr>
+        </p:nvSpPr>
+        <p:spPr/>
+        <p:txBody>
+          <a:bodyPr/>
+          <a:lstStyle/>
+          <a:p>
+            <a:r>
+              <a:rPr lang="zh-CN" altLang="en-US" dirty="0"/>
+              <a:t>第二章、链表</a:t>
+            </a:r>
+            <a:r>
+              <a:rPr lang="en-US" altLang="zh-CN" dirty="0"/>
+              <a:t>——</a:t>
+            </a:r>
+            <a:r>
+              <a:rPr lang="zh-CN" altLang="en-US" dirty="0"/>
+              <a:t>单链表</a:t>
+            </a:r>
+          </a:p>
+        </p:txBody>
+      </p:sp>
+      <p:sp>
+        <p:nvSpPr>
+          <p:cNvPr id="4" name="灯片编号占位符 3"/>
+          <p:cNvSpPr>
+            <a:spLocks noGrp="1"/>
+          </p:cNvSpPr>
+          <p:nvPr>
+            <p:ph type="sldNum" sz="quarter" idx="5"/>
+          </p:nvPr>
+        </p:nvSpPr>
+        <p:spPr/>
+        <p:txBody>
+          <a:bodyPr/>
+          <a:lstStyle/>
+          <a:p>
+            <a:fld id="{7B1AB8BF-8C38-45E1-922D-85AF3569A108}" type="slidenum">
+              <a:rPr lang="zh-CN" altLang="en-US" smtClean="0"/>
+              <a:t>3</a:t>
+            </a:fld>
+            <a:endParaRPr lang="zh-CN" altLang="en-US"/>
+          </a:p>
+        </p:txBody>
+      </p:sp>
+    </p:spTree>
+    <p:extLst>
+      <p:ext uri="{BB962C8B-B14F-4D97-AF65-F5344CB8AC3E}">
+        <p14:creationId xmlns:p14="http://schemas.microsoft.com/office/powerpoint/2010/main" val="3918098745"/>
       </p:ext>
     </p:extLst>
   </p:cSld>
@@ -5489,6 +5681,1265 @@
 </p:sld>
 </file>
 
+<file path=ppt/slides/slide2.xml><?xml version="1.0" encoding="utf-8"?>
+<p:sld xmlns:a="http://schemas.openxmlformats.org/drawingml/2006/main" xmlns:r="http://schemas.openxmlformats.org/officeDocument/2006/relationships" xmlns:p="http://schemas.openxmlformats.org/presentationml/2006/main">
+  <p:cSld>
+    <p:spTree>
+      <p:nvGrpSpPr>
+        <p:cNvPr id="1" name=""/>
+        <p:cNvGrpSpPr/>
+        <p:nvPr/>
+      </p:nvGrpSpPr>
+      <p:grpSpPr>
+        <a:xfrm>
+          <a:off x="0" y="0"/>
+          <a:ext cx="0" cy="0"/>
+          <a:chOff x="0" y="0"/>
+          <a:chExt cx="0" cy="0"/>
+        </a:xfrm>
+      </p:grpSpPr>
+      <p:sp>
+        <p:nvSpPr>
+          <p:cNvPr id="4" name="文本框 3">
+            <a:extLst>
+              <a:ext uri="{FF2B5EF4-FFF2-40B4-BE49-F238E27FC236}">
+                <a16:creationId xmlns:a16="http://schemas.microsoft.com/office/drawing/2014/main" id="{2DEEF9FE-AE2E-4953-B959-D530657DD363}"/>
+              </a:ext>
+            </a:extLst>
+          </p:cNvPr>
+          <p:cNvSpPr txBox="1"/>
+          <p:nvPr/>
+        </p:nvSpPr>
+        <p:spPr>
+          <a:xfrm>
+            <a:off x="43544" y="0"/>
+            <a:ext cx="4411227" cy="646331"/>
+          </a:xfrm>
+          <a:prstGeom prst="rect">
+            <a:avLst/>
+          </a:prstGeom>
+          <a:noFill/>
+        </p:spPr>
+        <p:txBody>
+          <a:bodyPr wrap="square" rtlCol="0">
+            <a:spAutoFit/>
+          </a:bodyPr>
+          <a:lstStyle/>
+          <a:p>
+            <a:r>
+              <a:rPr lang="en-US" altLang="zh-CN" sz="3600" dirty="0"/>
+              <a:t>leetcode02</a:t>
+            </a:r>
+            <a:endParaRPr lang="zh-CN" altLang="en-US" sz="3600" dirty="0"/>
+          </a:p>
+        </p:txBody>
+      </p:sp>
+      <p:sp>
+        <p:nvSpPr>
+          <p:cNvPr id="2" name="矩形 1">
+            <a:extLst>
+              <a:ext uri="{FF2B5EF4-FFF2-40B4-BE49-F238E27FC236}">
+                <a16:creationId xmlns:a16="http://schemas.microsoft.com/office/drawing/2014/main" id="{B18D6F34-1B43-4F46-89BD-608AA58F0EA1}"/>
+              </a:ext>
+            </a:extLst>
+          </p:cNvPr>
+          <p:cNvSpPr/>
+          <p:nvPr/>
+        </p:nvSpPr>
+        <p:spPr>
+          <a:xfrm>
+            <a:off x="401934" y="2190541"/>
+            <a:ext cx="643095" cy="401934"/>
+          </a:xfrm>
+          <a:prstGeom prst="rect">
+            <a:avLst/>
+          </a:prstGeom>
+        </p:spPr>
+        <p:style>
+          <a:lnRef idx="2">
+            <a:schemeClr val="accent1">
+              <a:shade val="50000"/>
+            </a:schemeClr>
+          </a:lnRef>
+          <a:fillRef idx="1">
+            <a:schemeClr val="accent1"/>
+          </a:fillRef>
+          <a:effectRef idx="0">
+            <a:schemeClr val="accent1"/>
+          </a:effectRef>
+          <a:fontRef idx="minor">
+            <a:schemeClr val="lt1"/>
+          </a:fontRef>
+        </p:style>
+        <p:txBody>
+          <a:bodyPr rtlCol="0" anchor="ctr"/>
+          <a:lstStyle/>
+          <a:p>
+            <a:pPr algn="ctr"/>
+            <a:r>
+              <a:rPr lang="en-US" altLang="zh-CN" sz="1050" dirty="0"/>
+              <a:t>dummy</a:t>
+            </a:r>
+            <a:endParaRPr lang="zh-CN" altLang="en-US" sz="1050" dirty="0"/>
+          </a:p>
+        </p:txBody>
+      </p:sp>
+      <p:sp>
+        <p:nvSpPr>
+          <p:cNvPr id="24" name="矩形 23">
+            <a:extLst>
+              <a:ext uri="{FF2B5EF4-FFF2-40B4-BE49-F238E27FC236}">
+                <a16:creationId xmlns:a16="http://schemas.microsoft.com/office/drawing/2014/main" id="{D1304321-23B2-4C2B-A035-2D7CD8499AA9}"/>
+              </a:ext>
+            </a:extLst>
+          </p:cNvPr>
+          <p:cNvSpPr/>
+          <p:nvPr/>
+        </p:nvSpPr>
+        <p:spPr>
+          <a:xfrm>
+            <a:off x="1045029" y="2190541"/>
+            <a:ext cx="643094" cy="401934"/>
+          </a:xfrm>
+          <a:prstGeom prst="rect">
+            <a:avLst/>
+          </a:prstGeom>
+        </p:spPr>
+        <p:style>
+          <a:lnRef idx="2">
+            <a:schemeClr val="accent1">
+              <a:shade val="50000"/>
+            </a:schemeClr>
+          </a:lnRef>
+          <a:fillRef idx="1">
+            <a:schemeClr val="accent1"/>
+          </a:fillRef>
+          <a:effectRef idx="0">
+            <a:schemeClr val="accent1"/>
+          </a:effectRef>
+          <a:fontRef idx="minor">
+            <a:schemeClr val="lt1"/>
+          </a:fontRef>
+        </p:style>
+        <p:txBody>
+          <a:bodyPr rtlCol="0" anchor="ctr"/>
+          <a:lstStyle/>
+          <a:p>
+            <a:pPr algn="ctr"/>
+            <a:r>
+              <a:rPr lang="en-US" altLang="zh-CN" sz="1200" dirty="0"/>
+              <a:t>next</a:t>
+            </a:r>
+            <a:endParaRPr lang="zh-CN" altLang="en-US" sz="1200" dirty="0"/>
+          </a:p>
+        </p:txBody>
+      </p:sp>
+      <p:cxnSp>
+        <p:nvCxnSpPr>
+          <p:cNvPr id="9" name="直接箭头连接符 8">
+            <a:extLst>
+              <a:ext uri="{FF2B5EF4-FFF2-40B4-BE49-F238E27FC236}">
+                <a16:creationId xmlns:a16="http://schemas.microsoft.com/office/drawing/2014/main" id="{D50E2462-DF52-42E8-88F2-76A19086B7F5}"/>
+              </a:ext>
+            </a:extLst>
+          </p:cNvPr>
+          <p:cNvCxnSpPr>
+            <a:cxnSpLocks/>
+            <a:endCxn id="2" idx="0"/>
+          </p:cNvCxnSpPr>
+          <p:nvPr/>
+        </p:nvCxnSpPr>
+        <p:spPr>
+          <a:xfrm>
+            <a:off x="723482" y="1316334"/>
+            <a:ext cx="0" cy="874207"/>
+          </a:xfrm>
+          <a:prstGeom prst="straightConnector1">
+            <a:avLst/>
+          </a:prstGeom>
+          <a:ln>
+            <a:tailEnd type="triangle"/>
+          </a:ln>
+        </p:spPr>
+        <p:style>
+          <a:lnRef idx="1">
+            <a:schemeClr val="accent1"/>
+          </a:lnRef>
+          <a:fillRef idx="0">
+            <a:schemeClr val="accent1"/>
+          </a:fillRef>
+          <a:effectRef idx="0">
+            <a:schemeClr val="accent1"/>
+          </a:effectRef>
+          <a:fontRef idx="minor">
+            <a:schemeClr val="tx1"/>
+          </a:fontRef>
+        </p:style>
+      </p:cxnSp>
+      <p:sp>
+        <p:nvSpPr>
+          <p:cNvPr id="29" name="文本框 28">
+            <a:extLst>
+              <a:ext uri="{FF2B5EF4-FFF2-40B4-BE49-F238E27FC236}">
+                <a16:creationId xmlns:a16="http://schemas.microsoft.com/office/drawing/2014/main" id="{9F1A13DE-EE8C-4DA4-8A60-DAE612259B6E}"/>
+              </a:ext>
+            </a:extLst>
+          </p:cNvPr>
+          <p:cNvSpPr txBox="1"/>
+          <p:nvPr/>
+        </p:nvSpPr>
+        <p:spPr>
+          <a:xfrm>
+            <a:off x="401934" y="977780"/>
+            <a:ext cx="2004626" cy="338554"/>
+          </a:xfrm>
+          <a:prstGeom prst="rect">
+            <a:avLst/>
+          </a:prstGeom>
+          <a:noFill/>
+        </p:spPr>
+        <p:txBody>
+          <a:bodyPr wrap="square" rtlCol="0">
+            <a:spAutoFit/>
+          </a:bodyPr>
+          <a:lstStyle/>
+          <a:p>
+            <a:r>
+              <a:rPr lang="en-US" altLang="zh-CN" sz="1600" dirty="0"/>
+              <a:t>current</a:t>
+            </a:r>
+            <a:endParaRPr lang="zh-CN" altLang="en-US" sz="1600" dirty="0"/>
+          </a:p>
+        </p:txBody>
+      </p:sp>
+      <p:sp>
+        <p:nvSpPr>
+          <p:cNvPr id="30" name="文本框 29">
+            <a:extLst>
+              <a:ext uri="{FF2B5EF4-FFF2-40B4-BE49-F238E27FC236}">
+                <a16:creationId xmlns:a16="http://schemas.microsoft.com/office/drawing/2014/main" id="{917DA7A7-7415-4B7C-8B97-47511D6A355C}"/>
+              </a:ext>
+            </a:extLst>
+          </p:cNvPr>
+          <p:cNvSpPr txBox="1"/>
+          <p:nvPr/>
+        </p:nvSpPr>
+        <p:spPr>
+          <a:xfrm>
+            <a:off x="1688123" y="731559"/>
+            <a:ext cx="3569684" cy="584775"/>
+          </a:xfrm>
+          <a:prstGeom prst="rect">
+            <a:avLst/>
+          </a:prstGeom>
+          <a:noFill/>
+        </p:spPr>
+        <p:txBody>
+          <a:bodyPr wrap="square" rtlCol="0">
+            <a:spAutoFit/>
+          </a:bodyPr>
+          <a:lstStyle/>
+          <a:p>
+            <a:r>
+              <a:rPr lang="zh-CN" altLang="en-US" sz="1600" dirty="0"/>
+              <a:t>如何来确定这个是指针呢？通过引用来完成的，如类 </a:t>
+            </a:r>
+            <a:r>
+              <a:rPr lang="en-US" altLang="zh-CN" sz="1600" dirty="0"/>
+              <a:t>a=new </a:t>
+            </a:r>
+            <a:r>
+              <a:rPr lang="zh-CN" altLang="en-US" sz="1600" dirty="0"/>
+              <a:t>类</a:t>
+            </a:r>
+          </a:p>
+        </p:txBody>
+      </p:sp>
+      <p:sp>
+        <p:nvSpPr>
+          <p:cNvPr id="31" name="矩形 30">
+            <a:extLst>
+              <a:ext uri="{FF2B5EF4-FFF2-40B4-BE49-F238E27FC236}">
+                <a16:creationId xmlns:a16="http://schemas.microsoft.com/office/drawing/2014/main" id="{42D2632F-B2C7-4B7C-856E-B6C7CD36060D}"/>
+              </a:ext>
+            </a:extLst>
+          </p:cNvPr>
+          <p:cNvSpPr/>
+          <p:nvPr/>
+        </p:nvSpPr>
+        <p:spPr>
+          <a:xfrm>
+            <a:off x="2331218" y="2190541"/>
+            <a:ext cx="643095" cy="401934"/>
+          </a:xfrm>
+          <a:prstGeom prst="rect">
+            <a:avLst/>
+          </a:prstGeom>
+        </p:spPr>
+        <p:style>
+          <a:lnRef idx="2">
+            <a:schemeClr val="accent1">
+              <a:shade val="50000"/>
+            </a:schemeClr>
+          </a:lnRef>
+          <a:fillRef idx="1">
+            <a:schemeClr val="accent1"/>
+          </a:fillRef>
+          <a:effectRef idx="0">
+            <a:schemeClr val="accent1"/>
+          </a:effectRef>
+          <a:fontRef idx="minor">
+            <a:schemeClr val="lt1"/>
+          </a:fontRef>
+        </p:style>
+        <p:txBody>
+          <a:bodyPr rtlCol="0" anchor="ctr"/>
+          <a:lstStyle/>
+          <a:p>
+            <a:pPr algn="ctr"/>
+            <a:r>
+              <a:rPr lang="en-US" altLang="zh-CN" sz="1050" dirty="0" err="1"/>
+              <a:t>val</a:t>
+            </a:r>
+            <a:endParaRPr lang="zh-CN" altLang="en-US" sz="1050" dirty="0"/>
+          </a:p>
+        </p:txBody>
+      </p:sp>
+      <p:sp>
+        <p:nvSpPr>
+          <p:cNvPr id="32" name="矩形 31">
+            <a:extLst>
+              <a:ext uri="{FF2B5EF4-FFF2-40B4-BE49-F238E27FC236}">
+                <a16:creationId xmlns:a16="http://schemas.microsoft.com/office/drawing/2014/main" id="{9023A32B-15B2-4D6B-A008-43458025DE88}"/>
+              </a:ext>
+            </a:extLst>
+          </p:cNvPr>
+          <p:cNvSpPr/>
+          <p:nvPr/>
+        </p:nvSpPr>
+        <p:spPr>
+          <a:xfrm>
+            <a:off x="2974313" y="2190541"/>
+            <a:ext cx="643094" cy="401934"/>
+          </a:xfrm>
+          <a:prstGeom prst="rect">
+            <a:avLst/>
+          </a:prstGeom>
+        </p:spPr>
+        <p:style>
+          <a:lnRef idx="2">
+            <a:schemeClr val="accent1">
+              <a:shade val="50000"/>
+            </a:schemeClr>
+          </a:lnRef>
+          <a:fillRef idx="1">
+            <a:schemeClr val="accent1"/>
+          </a:fillRef>
+          <a:effectRef idx="0">
+            <a:schemeClr val="accent1"/>
+          </a:effectRef>
+          <a:fontRef idx="minor">
+            <a:schemeClr val="lt1"/>
+          </a:fontRef>
+        </p:style>
+        <p:txBody>
+          <a:bodyPr rtlCol="0" anchor="ctr"/>
+          <a:lstStyle/>
+          <a:p>
+            <a:pPr algn="ctr"/>
+            <a:r>
+              <a:rPr lang="en-US" altLang="zh-CN" sz="1200" dirty="0"/>
+              <a:t>next</a:t>
+            </a:r>
+            <a:endParaRPr lang="zh-CN" altLang="en-US" sz="1200" dirty="0"/>
+          </a:p>
+        </p:txBody>
+      </p:sp>
+      <p:sp>
+        <p:nvSpPr>
+          <p:cNvPr id="37" name="文本框 36">
+            <a:extLst>
+              <a:ext uri="{FF2B5EF4-FFF2-40B4-BE49-F238E27FC236}">
+                <a16:creationId xmlns:a16="http://schemas.microsoft.com/office/drawing/2014/main" id="{A7259F5D-2B7A-47CA-A427-E8396897F602}"/>
+              </a:ext>
+            </a:extLst>
+          </p:cNvPr>
+          <p:cNvSpPr txBox="1"/>
+          <p:nvPr/>
+        </p:nvSpPr>
+        <p:spPr>
+          <a:xfrm>
+            <a:off x="401933" y="2963968"/>
+            <a:ext cx="3446585" cy="1384995"/>
+          </a:xfrm>
+          <a:prstGeom prst="rect">
+            <a:avLst/>
+          </a:prstGeom>
+          <a:noFill/>
+        </p:spPr>
+        <p:txBody>
+          <a:bodyPr wrap="square" rtlCol="0">
+            <a:spAutoFit/>
+          </a:bodyPr>
+          <a:lstStyle/>
+          <a:p>
+            <a:r>
+              <a:rPr lang="zh-CN" altLang="en-US" sz="1600" dirty="0"/>
+              <a:t>如何连接，使用</a:t>
+            </a:r>
+            <a:r>
+              <a:rPr lang="en-US" altLang="zh-CN" sz="1600" dirty="0"/>
+              <a:t>next</a:t>
+            </a:r>
+            <a:r>
+              <a:rPr lang="zh-CN" altLang="en-US" sz="1600" dirty="0"/>
+              <a:t>域，</a:t>
+            </a:r>
+            <a:r>
+              <a:rPr lang="en-US" altLang="zh-CN" sz="1600" dirty="0" err="1"/>
+              <a:t>current.next</a:t>
+            </a:r>
+            <a:r>
+              <a:rPr lang="en-US" altLang="zh-CN" sz="1600" dirty="0"/>
+              <a:t>=</a:t>
+            </a:r>
+            <a:r>
+              <a:rPr lang="en-US" altLang="zh-CN" sz="1600" dirty="0" err="1"/>
+              <a:t>val</a:t>
+            </a:r>
+            <a:r>
+              <a:rPr lang="zh-CN" altLang="en-US" sz="1600" dirty="0"/>
+              <a:t>，为什么是这样，而不是</a:t>
+            </a:r>
+            <a:r>
+              <a:rPr lang="en-US" altLang="zh-CN" b="1" dirty="0" err="1">
+                <a:solidFill>
+                  <a:srgbClr val="FF0000"/>
+                </a:solidFill>
+              </a:rPr>
+              <a:t>val</a:t>
+            </a:r>
+            <a:r>
+              <a:rPr lang="en-US" altLang="zh-CN" b="1" dirty="0">
+                <a:solidFill>
+                  <a:srgbClr val="FF0000"/>
+                </a:solidFill>
+              </a:rPr>
+              <a:t>=</a:t>
+            </a:r>
+            <a:r>
+              <a:rPr lang="en-US" altLang="zh-CN" b="1" dirty="0" err="1">
+                <a:solidFill>
+                  <a:srgbClr val="FF0000"/>
+                </a:solidFill>
+              </a:rPr>
+              <a:t>current.next</a:t>
+            </a:r>
+            <a:r>
+              <a:rPr lang="zh-CN" altLang="en-US" sz="1600" dirty="0"/>
+              <a:t>？原因在于这个是一个</a:t>
+            </a:r>
+            <a:r>
+              <a:rPr lang="zh-CN" altLang="en-US" b="1" dirty="0">
+                <a:solidFill>
+                  <a:srgbClr val="7030A0"/>
+                </a:solidFill>
+              </a:rPr>
+              <a:t>引用</a:t>
+            </a:r>
+            <a:r>
+              <a:rPr lang="zh-CN" altLang="en-US" sz="1600" dirty="0"/>
+              <a:t>，需要变量</a:t>
+            </a:r>
+            <a:r>
+              <a:rPr lang="en-US" altLang="zh-CN" sz="1600" dirty="0"/>
+              <a:t>=</a:t>
+            </a:r>
+            <a:r>
+              <a:rPr lang="zh-CN" altLang="en-US" sz="1600" dirty="0"/>
+              <a:t>类才可以</a:t>
+            </a:r>
+          </a:p>
+        </p:txBody>
+      </p:sp>
+      <p:cxnSp>
+        <p:nvCxnSpPr>
+          <p:cNvPr id="39" name="直接箭头连接符 38">
+            <a:extLst>
+              <a:ext uri="{FF2B5EF4-FFF2-40B4-BE49-F238E27FC236}">
+                <a16:creationId xmlns:a16="http://schemas.microsoft.com/office/drawing/2014/main" id="{3FE74D9B-3C55-4100-9B9E-4634287CAB74}"/>
+              </a:ext>
+            </a:extLst>
+          </p:cNvPr>
+          <p:cNvCxnSpPr>
+            <a:cxnSpLocks/>
+            <a:stCxn id="24" idx="3"/>
+            <a:endCxn id="31" idx="1"/>
+          </p:cNvCxnSpPr>
+          <p:nvPr/>
+        </p:nvCxnSpPr>
+        <p:spPr>
+          <a:xfrm>
+            <a:off x="1688123" y="2391508"/>
+            <a:ext cx="643095" cy="0"/>
+          </a:xfrm>
+          <a:prstGeom prst="straightConnector1">
+            <a:avLst/>
+          </a:prstGeom>
+          <a:ln>
+            <a:tailEnd type="triangle"/>
+          </a:ln>
+        </p:spPr>
+        <p:style>
+          <a:lnRef idx="1">
+            <a:schemeClr val="accent1"/>
+          </a:lnRef>
+          <a:fillRef idx="0">
+            <a:schemeClr val="accent1"/>
+          </a:fillRef>
+          <a:effectRef idx="0">
+            <a:schemeClr val="accent1"/>
+          </a:effectRef>
+          <a:fontRef idx="minor">
+            <a:schemeClr val="tx1"/>
+          </a:fontRef>
+        </p:style>
+      </p:cxnSp>
+      <p:sp>
+        <p:nvSpPr>
+          <p:cNvPr id="41" name="文本框 40">
+            <a:extLst>
+              <a:ext uri="{FF2B5EF4-FFF2-40B4-BE49-F238E27FC236}">
+                <a16:creationId xmlns:a16="http://schemas.microsoft.com/office/drawing/2014/main" id="{C9D2AF4A-889C-47B3-BBC4-6B6D75D1C5EC}"/>
+              </a:ext>
+            </a:extLst>
+          </p:cNvPr>
+          <p:cNvSpPr txBox="1"/>
+          <p:nvPr/>
+        </p:nvSpPr>
+        <p:spPr>
+          <a:xfrm>
+            <a:off x="321546" y="4508178"/>
+            <a:ext cx="3295861" cy="1077218"/>
+          </a:xfrm>
+          <a:prstGeom prst="rect">
+            <a:avLst/>
+          </a:prstGeom>
+          <a:noFill/>
+        </p:spPr>
+        <p:txBody>
+          <a:bodyPr wrap="square" rtlCol="0">
+            <a:spAutoFit/>
+          </a:bodyPr>
+          <a:lstStyle/>
+          <a:p>
+            <a:r>
+              <a:rPr lang="zh-CN" altLang="en-US" sz="1600" dirty="0"/>
+              <a:t>如何移动指针？</a:t>
+            </a:r>
+            <a:endParaRPr lang="en-US" altLang="zh-CN" sz="1600" dirty="0"/>
+          </a:p>
+          <a:p>
+            <a:r>
+              <a:rPr lang="zh-CN" altLang="en-US" sz="1600" dirty="0"/>
+              <a:t>因为</a:t>
+            </a:r>
+            <a:r>
+              <a:rPr lang="en-US" altLang="zh-CN" sz="1600" dirty="0" err="1"/>
+              <a:t>current.next</a:t>
+            </a:r>
+            <a:r>
+              <a:rPr lang="en-US" altLang="zh-CN" sz="1600" dirty="0"/>
+              <a:t>=</a:t>
+            </a:r>
+            <a:r>
+              <a:rPr lang="en-US" altLang="zh-CN" sz="1600" dirty="0" err="1"/>
+              <a:t>val</a:t>
+            </a:r>
+            <a:r>
+              <a:rPr lang="zh-CN" altLang="en-US" sz="1600" dirty="0"/>
+              <a:t>，那么就可以直接</a:t>
+            </a:r>
+            <a:r>
+              <a:rPr lang="en-US" altLang="zh-CN" sz="1600" dirty="0"/>
+              <a:t>current=</a:t>
+            </a:r>
+            <a:r>
+              <a:rPr lang="en-US" altLang="zh-CN" sz="1600" dirty="0" err="1"/>
+              <a:t>current.next</a:t>
+            </a:r>
+            <a:r>
+              <a:rPr lang="zh-CN" altLang="en-US" sz="1600" dirty="0"/>
+              <a:t>就可以了（因为这两者不是引用关系）</a:t>
+            </a:r>
+          </a:p>
+        </p:txBody>
+      </p:sp>
+      <p:sp>
+        <p:nvSpPr>
+          <p:cNvPr id="48" name="文本框 47">
+            <a:extLst>
+              <a:ext uri="{FF2B5EF4-FFF2-40B4-BE49-F238E27FC236}">
+                <a16:creationId xmlns:a16="http://schemas.microsoft.com/office/drawing/2014/main" id="{221867BD-25D8-400F-AFBC-75F8B5B078D3}"/>
+              </a:ext>
+            </a:extLst>
+          </p:cNvPr>
+          <p:cNvSpPr txBox="1"/>
+          <p:nvPr/>
+        </p:nvSpPr>
+        <p:spPr>
+          <a:xfrm>
+            <a:off x="4170064" y="1855991"/>
+            <a:ext cx="3446585" cy="584775"/>
+          </a:xfrm>
+          <a:prstGeom prst="rect">
+            <a:avLst/>
+          </a:prstGeom>
+          <a:noFill/>
+        </p:spPr>
+        <p:txBody>
+          <a:bodyPr wrap="square" rtlCol="0">
+            <a:spAutoFit/>
+          </a:bodyPr>
+          <a:lstStyle/>
+          <a:p>
+            <a:r>
+              <a:rPr lang="zh-CN" altLang="en-US" sz="1600" dirty="0"/>
+              <a:t>先创建了一个</a:t>
+            </a:r>
+            <a:r>
+              <a:rPr lang="en-US" altLang="zh-CN" sz="1600" dirty="0" err="1"/>
+              <a:t>val</a:t>
+            </a:r>
+            <a:r>
+              <a:rPr lang="zh-CN" altLang="en-US" sz="1600" dirty="0"/>
+              <a:t>节点，然后怎么链接呢？</a:t>
+            </a:r>
+          </a:p>
+        </p:txBody>
+      </p:sp>
+      <p:cxnSp>
+        <p:nvCxnSpPr>
+          <p:cNvPr id="49" name="直接箭头连接符 48">
+            <a:extLst>
+              <a:ext uri="{FF2B5EF4-FFF2-40B4-BE49-F238E27FC236}">
+                <a16:creationId xmlns:a16="http://schemas.microsoft.com/office/drawing/2014/main" id="{0AF0F46B-BDF6-4EE3-B9E1-C0D10DD309D6}"/>
+              </a:ext>
+            </a:extLst>
+          </p:cNvPr>
+          <p:cNvCxnSpPr>
+            <a:cxnSpLocks/>
+            <a:endCxn id="31" idx="0"/>
+          </p:cNvCxnSpPr>
+          <p:nvPr/>
+        </p:nvCxnSpPr>
+        <p:spPr>
+          <a:xfrm flipH="1">
+            <a:off x="2652766" y="1625748"/>
+            <a:ext cx="118928" cy="564793"/>
+          </a:xfrm>
+          <a:prstGeom prst="straightConnector1">
+            <a:avLst/>
+          </a:prstGeom>
+          <a:ln>
+            <a:tailEnd type="triangle"/>
+          </a:ln>
+        </p:spPr>
+        <p:style>
+          <a:lnRef idx="1">
+            <a:schemeClr val="accent1"/>
+          </a:lnRef>
+          <a:fillRef idx="0">
+            <a:schemeClr val="accent1"/>
+          </a:fillRef>
+          <a:effectRef idx="0">
+            <a:schemeClr val="accent1"/>
+          </a:effectRef>
+          <a:fontRef idx="minor">
+            <a:schemeClr val="tx1"/>
+          </a:fontRef>
+        </p:style>
+      </p:cxnSp>
+      <p:sp>
+        <p:nvSpPr>
+          <p:cNvPr id="50" name="文本框 49">
+            <a:extLst>
+              <a:ext uri="{FF2B5EF4-FFF2-40B4-BE49-F238E27FC236}">
+                <a16:creationId xmlns:a16="http://schemas.microsoft.com/office/drawing/2014/main" id="{C2DB4AEB-E8F3-4876-9C8F-43495CDAFD9C}"/>
+              </a:ext>
+            </a:extLst>
+          </p:cNvPr>
+          <p:cNvSpPr txBox="1"/>
+          <p:nvPr/>
+        </p:nvSpPr>
+        <p:spPr>
+          <a:xfrm>
+            <a:off x="2450145" y="1287194"/>
+            <a:ext cx="2004626" cy="338554"/>
+          </a:xfrm>
+          <a:prstGeom prst="rect">
+            <a:avLst/>
+          </a:prstGeom>
+          <a:noFill/>
+        </p:spPr>
+        <p:txBody>
+          <a:bodyPr wrap="square" rtlCol="0">
+            <a:spAutoFit/>
+          </a:bodyPr>
+          <a:lstStyle/>
+          <a:p>
+            <a:r>
+              <a:rPr lang="en-US" altLang="zh-CN" sz="1600" dirty="0"/>
+              <a:t>current</a:t>
+            </a:r>
+            <a:endParaRPr lang="zh-CN" altLang="en-US" sz="1600" dirty="0"/>
+          </a:p>
+        </p:txBody>
+      </p:sp>
+    </p:spTree>
+    <p:extLst>
+      <p:ext uri="{BB962C8B-B14F-4D97-AF65-F5344CB8AC3E}">
+        <p14:creationId xmlns:p14="http://schemas.microsoft.com/office/powerpoint/2010/main" val="4175968864"/>
+      </p:ext>
+    </p:extLst>
+  </p:cSld>
+  <p:clrMapOvr>
+    <a:masterClrMapping/>
+  </p:clrMapOvr>
+  <p:timing>
+    <p:tnLst>
+      <p:par>
+        <p:cTn id="1" dur="indefinite" restart="never" nodeType="tmRoot">
+          <p:childTnLst>
+            <p:seq concurrent="1" nextAc="seek">
+              <p:cTn id="2" dur="indefinite" nodeType="mainSeq">
+                <p:childTnLst>
+                  <p:par>
+                    <p:cTn id="3" fill="hold">
+                      <p:stCondLst>
+                        <p:cond delay="indefinite"/>
+                      </p:stCondLst>
+                      <p:childTnLst>
+                        <p:par>
+                          <p:cTn id="4" fill="hold">
+                            <p:stCondLst>
+                              <p:cond delay="0"/>
+                            </p:stCondLst>
+                            <p:childTnLst>
+                              <p:par>
+                                <p:cTn id="5" presetID="1" presetClass="entr" presetSubtype="0" fill="hold" grpId="0" nodeType="clickEffect">
+                                  <p:stCondLst>
+                                    <p:cond delay="0"/>
+                                  </p:stCondLst>
+                                  <p:childTnLst>
+                                    <p:set>
+                                      <p:cBhvr>
+                                        <p:cTn id="6" dur="1" fill="hold">
+                                          <p:stCondLst>
+                                            <p:cond delay="0"/>
+                                          </p:stCondLst>
+                                        </p:cTn>
+                                        <p:tgtEl>
+                                          <p:spTgt spid="29"/>
+                                        </p:tgtEl>
+                                        <p:attrNameLst>
+                                          <p:attrName>style.visibility</p:attrName>
+                                        </p:attrNameLst>
+                                      </p:cBhvr>
+                                      <p:to>
+                                        <p:strVal val="visible"/>
+                                      </p:to>
+                                    </p:set>
+                                  </p:childTnLst>
+                                </p:cTn>
+                              </p:par>
+                              <p:par>
+                                <p:cTn id="7" presetID="1" presetClass="entr" presetSubtype="0" fill="hold" nodeType="withEffect">
+                                  <p:stCondLst>
+                                    <p:cond delay="0"/>
+                                  </p:stCondLst>
+                                  <p:childTnLst>
+                                    <p:set>
+                                      <p:cBhvr>
+                                        <p:cTn id="8" dur="1" fill="hold">
+                                          <p:stCondLst>
+                                            <p:cond delay="0"/>
+                                          </p:stCondLst>
+                                        </p:cTn>
+                                        <p:tgtEl>
+                                          <p:spTgt spid="9"/>
+                                        </p:tgtEl>
+                                        <p:attrNameLst>
+                                          <p:attrName>style.visibility</p:attrName>
+                                        </p:attrNameLst>
+                                      </p:cBhvr>
+                                      <p:to>
+                                        <p:strVal val="visible"/>
+                                      </p:to>
+                                    </p:set>
+                                  </p:childTnLst>
+                                </p:cTn>
+                              </p:par>
+                              <p:par>
+                                <p:cTn id="9" presetID="1" presetClass="entr" presetSubtype="0" fill="hold" grpId="0" nodeType="withEffect">
+                                  <p:stCondLst>
+                                    <p:cond delay="0"/>
+                                  </p:stCondLst>
+                                  <p:childTnLst>
+                                    <p:set>
+                                      <p:cBhvr>
+                                        <p:cTn id="10" dur="1" fill="hold">
+                                          <p:stCondLst>
+                                            <p:cond delay="0"/>
+                                          </p:stCondLst>
+                                        </p:cTn>
+                                        <p:tgtEl>
+                                          <p:spTgt spid="30"/>
+                                        </p:tgtEl>
+                                        <p:attrNameLst>
+                                          <p:attrName>style.visibility</p:attrName>
+                                        </p:attrNameLst>
+                                      </p:cBhvr>
+                                      <p:to>
+                                        <p:strVal val="visible"/>
+                                      </p:to>
+                                    </p:set>
+                                  </p:childTnLst>
+                                </p:cTn>
+                              </p:par>
+                              <p:par>
+                                <p:cTn id="11" presetID="1" presetClass="entr" presetSubtype="0" fill="hold" grpId="0" nodeType="withEffect">
+                                  <p:stCondLst>
+                                    <p:cond delay="0"/>
+                                  </p:stCondLst>
+                                  <p:childTnLst>
+                                    <p:set>
+                                      <p:cBhvr>
+                                        <p:cTn id="12" dur="1" fill="hold">
+                                          <p:stCondLst>
+                                            <p:cond delay="0"/>
+                                          </p:stCondLst>
+                                        </p:cTn>
+                                        <p:tgtEl>
+                                          <p:spTgt spid="2"/>
+                                        </p:tgtEl>
+                                        <p:attrNameLst>
+                                          <p:attrName>style.visibility</p:attrName>
+                                        </p:attrNameLst>
+                                      </p:cBhvr>
+                                      <p:to>
+                                        <p:strVal val="visible"/>
+                                      </p:to>
+                                    </p:set>
+                                  </p:childTnLst>
+                                </p:cTn>
+                              </p:par>
+                              <p:par>
+                                <p:cTn id="13" presetID="1" presetClass="entr" presetSubtype="0" fill="hold" grpId="0" nodeType="withEffect">
+                                  <p:stCondLst>
+                                    <p:cond delay="0"/>
+                                  </p:stCondLst>
+                                  <p:childTnLst>
+                                    <p:set>
+                                      <p:cBhvr>
+                                        <p:cTn id="14" dur="1" fill="hold">
+                                          <p:stCondLst>
+                                            <p:cond delay="0"/>
+                                          </p:stCondLst>
+                                        </p:cTn>
+                                        <p:tgtEl>
+                                          <p:spTgt spid="24"/>
+                                        </p:tgtEl>
+                                        <p:attrNameLst>
+                                          <p:attrName>style.visibility</p:attrName>
+                                        </p:attrNameLst>
+                                      </p:cBhvr>
+                                      <p:to>
+                                        <p:strVal val="visible"/>
+                                      </p:to>
+                                    </p:set>
+                                  </p:childTnLst>
+                                </p:cTn>
+                              </p:par>
+                            </p:childTnLst>
+                          </p:cTn>
+                        </p:par>
+                      </p:childTnLst>
+                    </p:cTn>
+                  </p:par>
+                  <p:par>
+                    <p:cTn id="15" fill="hold">
+                      <p:stCondLst>
+                        <p:cond delay="indefinite"/>
+                      </p:stCondLst>
+                      <p:childTnLst>
+                        <p:par>
+                          <p:cTn id="16" fill="hold">
+                            <p:stCondLst>
+                              <p:cond delay="0"/>
+                            </p:stCondLst>
+                            <p:childTnLst>
+                              <p:par>
+                                <p:cTn id="17" presetID="1" presetClass="entr" presetSubtype="0" fill="hold" grpId="0" nodeType="clickEffect">
+                                  <p:stCondLst>
+                                    <p:cond delay="0"/>
+                                  </p:stCondLst>
+                                  <p:childTnLst>
+                                    <p:set>
+                                      <p:cBhvr>
+                                        <p:cTn id="18" dur="1" fill="hold">
+                                          <p:stCondLst>
+                                            <p:cond delay="0"/>
+                                          </p:stCondLst>
+                                        </p:cTn>
+                                        <p:tgtEl>
+                                          <p:spTgt spid="31"/>
+                                        </p:tgtEl>
+                                        <p:attrNameLst>
+                                          <p:attrName>style.visibility</p:attrName>
+                                        </p:attrNameLst>
+                                      </p:cBhvr>
+                                      <p:to>
+                                        <p:strVal val="visible"/>
+                                      </p:to>
+                                    </p:set>
+                                  </p:childTnLst>
+                                </p:cTn>
+                              </p:par>
+                              <p:par>
+                                <p:cTn id="19" presetID="1" presetClass="entr" presetSubtype="0" fill="hold" grpId="0" nodeType="withEffect">
+                                  <p:stCondLst>
+                                    <p:cond delay="0"/>
+                                  </p:stCondLst>
+                                  <p:childTnLst>
+                                    <p:set>
+                                      <p:cBhvr>
+                                        <p:cTn id="20" dur="1" fill="hold">
+                                          <p:stCondLst>
+                                            <p:cond delay="0"/>
+                                          </p:stCondLst>
+                                        </p:cTn>
+                                        <p:tgtEl>
+                                          <p:spTgt spid="32"/>
+                                        </p:tgtEl>
+                                        <p:attrNameLst>
+                                          <p:attrName>style.visibility</p:attrName>
+                                        </p:attrNameLst>
+                                      </p:cBhvr>
+                                      <p:to>
+                                        <p:strVal val="visible"/>
+                                      </p:to>
+                                    </p:set>
+                                  </p:childTnLst>
+                                </p:cTn>
+                              </p:par>
+                              <p:par>
+                                <p:cTn id="21" presetID="1" presetClass="entr" presetSubtype="0" fill="hold" grpId="0" nodeType="withEffect">
+                                  <p:stCondLst>
+                                    <p:cond delay="0"/>
+                                  </p:stCondLst>
+                                  <p:childTnLst>
+                                    <p:set>
+                                      <p:cBhvr>
+                                        <p:cTn id="22" dur="1" fill="hold">
+                                          <p:stCondLst>
+                                            <p:cond delay="0"/>
+                                          </p:stCondLst>
+                                        </p:cTn>
+                                        <p:tgtEl>
+                                          <p:spTgt spid="48"/>
+                                        </p:tgtEl>
+                                        <p:attrNameLst>
+                                          <p:attrName>style.visibility</p:attrName>
+                                        </p:attrNameLst>
+                                      </p:cBhvr>
+                                      <p:to>
+                                        <p:strVal val="visible"/>
+                                      </p:to>
+                                    </p:set>
+                                  </p:childTnLst>
+                                </p:cTn>
+                              </p:par>
+                            </p:childTnLst>
+                          </p:cTn>
+                        </p:par>
+                      </p:childTnLst>
+                    </p:cTn>
+                  </p:par>
+                  <p:par>
+                    <p:cTn id="23" fill="hold">
+                      <p:stCondLst>
+                        <p:cond delay="indefinite"/>
+                      </p:stCondLst>
+                      <p:childTnLst>
+                        <p:par>
+                          <p:cTn id="24" fill="hold">
+                            <p:stCondLst>
+                              <p:cond delay="0"/>
+                            </p:stCondLst>
+                            <p:childTnLst>
+                              <p:par>
+                                <p:cTn id="25" presetID="1" presetClass="entr" presetSubtype="0" fill="hold" grpId="0" nodeType="clickEffect">
+                                  <p:stCondLst>
+                                    <p:cond delay="0"/>
+                                  </p:stCondLst>
+                                  <p:childTnLst>
+                                    <p:set>
+                                      <p:cBhvr>
+                                        <p:cTn id="26" dur="1" fill="hold">
+                                          <p:stCondLst>
+                                            <p:cond delay="0"/>
+                                          </p:stCondLst>
+                                        </p:cTn>
+                                        <p:tgtEl>
+                                          <p:spTgt spid="37"/>
+                                        </p:tgtEl>
+                                        <p:attrNameLst>
+                                          <p:attrName>style.visibility</p:attrName>
+                                        </p:attrNameLst>
+                                      </p:cBhvr>
+                                      <p:to>
+                                        <p:strVal val="visible"/>
+                                      </p:to>
+                                    </p:set>
+                                  </p:childTnLst>
+                                </p:cTn>
+                              </p:par>
+                              <p:par>
+                                <p:cTn id="27" presetID="1" presetClass="entr" presetSubtype="0" fill="hold" nodeType="withEffect">
+                                  <p:stCondLst>
+                                    <p:cond delay="0"/>
+                                  </p:stCondLst>
+                                  <p:childTnLst>
+                                    <p:set>
+                                      <p:cBhvr>
+                                        <p:cTn id="28" dur="1" fill="hold">
+                                          <p:stCondLst>
+                                            <p:cond delay="0"/>
+                                          </p:stCondLst>
+                                        </p:cTn>
+                                        <p:tgtEl>
+                                          <p:spTgt spid="39"/>
+                                        </p:tgtEl>
+                                        <p:attrNameLst>
+                                          <p:attrName>style.visibility</p:attrName>
+                                        </p:attrNameLst>
+                                      </p:cBhvr>
+                                      <p:to>
+                                        <p:strVal val="visible"/>
+                                      </p:to>
+                                    </p:set>
+                                  </p:childTnLst>
+                                </p:cTn>
+                              </p:par>
+                            </p:childTnLst>
+                          </p:cTn>
+                        </p:par>
+                      </p:childTnLst>
+                    </p:cTn>
+                  </p:par>
+                  <p:par>
+                    <p:cTn id="29" fill="hold">
+                      <p:stCondLst>
+                        <p:cond delay="indefinite"/>
+                      </p:stCondLst>
+                      <p:childTnLst>
+                        <p:par>
+                          <p:cTn id="30" fill="hold">
+                            <p:stCondLst>
+                              <p:cond delay="0"/>
+                            </p:stCondLst>
+                            <p:childTnLst>
+                              <p:par>
+                                <p:cTn id="31" presetID="1" presetClass="entr" presetSubtype="0" fill="hold" nodeType="clickEffect">
+                                  <p:stCondLst>
+                                    <p:cond delay="0"/>
+                                  </p:stCondLst>
+                                  <p:childTnLst>
+                                    <p:set>
+                                      <p:cBhvr>
+                                        <p:cTn id="32" dur="1" fill="hold">
+                                          <p:stCondLst>
+                                            <p:cond delay="0"/>
+                                          </p:stCondLst>
+                                        </p:cTn>
+                                        <p:tgtEl>
+                                          <p:spTgt spid="49"/>
+                                        </p:tgtEl>
+                                        <p:attrNameLst>
+                                          <p:attrName>style.visibility</p:attrName>
+                                        </p:attrNameLst>
+                                      </p:cBhvr>
+                                      <p:to>
+                                        <p:strVal val="visible"/>
+                                      </p:to>
+                                    </p:set>
+                                  </p:childTnLst>
+                                </p:cTn>
+                              </p:par>
+                              <p:par>
+                                <p:cTn id="33" presetID="1" presetClass="entr" presetSubtype="0" fill="hold" grpId="0" nodeType="withEffect">
+                                  <p:stCondLst>
+                                    <p:cond delay="0"/>
+                                  </p:stCondLst>
+                                  <p:childTnLst>
+                                    <p:set>
+                                      <p:cBhvr>
+                                        <p:cTn id="34" dur="1" fill="hold">
+                                          <p:stCondLst>
+                                            <p:cond delay="0"/>
+                                          </p:stCondLst>
+                                        </p:cTn>
+                                        <p:tgtEl>
+                                          <p:spTgt spid="50"/>
+                                        </p:tgtEl>
+                                        <p:attrNameLst>
+                                          <p:attrName>style.visibility</p:attrName>
+                                        </p:attrNameLst>
+                                      </p:cBhvr>
+                                      <p:to>
+                                        <p:strVal val="visible"/>
+                                      </p:to>
+                                    </p:set>
+                                  </p:childTnLst>
+                                </p:cTn>
+                              </p:par>
+                              <p:par>
+                                <p:cTn id="35" presetID="1" presetClass="entr" presetSubtype="0" fill="hold" grpId="0" nodeType="withEffect">
+                                  <p:stCondLst>
+                                    <p:cond delay="0"/>
+                                  </p:stCondLst>
+                                  <p:childTnLst>
+                                    <p:set>
+                                      <p:cBhvr>
+                                        <p:cTn id="36" dur="1" fill="hold">
+                                          <p:stCondLst>
+                                            <p:cond delay="0"/>
+                                          </p:stCondLst>
+                                        </p:cTn>
+                                        <p:tgtEl>
+                                          <p:spTgt spid="41"/>
+                                        </p:tgtEl>
+                                        <p:attrNameLst>
+                                          <p:attrName>style.visibility</p:attrName>
+                                        </p:attrNameLst>
+                                      </p:cBhvr>
+                                      <p:to>
+                                        <p:strVal val="visible"/>
+                                      </p:to>
+                                    </p:set>
+                                  </p:childTnLst>
+                                </p:cTn>
+                              </p:par>
+                            </p:childTnLst>
+                          </p:cTn>
+                        </p:par>
+                      </p:childTnLst>
+                    </p:cTn>
+                  </p:par>
+                </p:childTnLst>
+              </p:cTn>
+              <p:prevCondLst>
+                <p:cond evt="onPrev" delay="0">
+                  <p:tgtEl>
+                    <p:sldTgt/>
+                  </p:tgtEl>
+                </p:cond>
+              </p:prevCondLst>
+              <p:nextCondLst>
+                <p:cond evt="onNext" delay="0">
+                  <p:tgtEl>
+                    <p:sldTgt/>
+                  </p:tgtEl>
+                </p:cond>
+              </p:nextCondLst>
+            </p:seq>
+          </p:childTnLst>
+        </p:cTn>
+      </p:par>
+    </p:tnLst>
+    <p:bldLst>
+      <p:bldP spid="2" grpId="0" animBg="1"/>
+      <p:bldP spid="24" grpId="0" animBg="1"/>
+      <p:bldP spid="29" grpId="0"/>
+      <p:bldP spid="30" grpId="0"/>
+      <p:bldP spid="31" grpId="0" animBg="1"/>
+      <p:bldP spid="32" grpId="0" animBg="1"/>
+      <p:bldP spid="37" grpId="0"/>
+      <p:bldP spid="41" grpId="0"/>
+      <p:bldP spid="48" grpId="0"/>
+      <p:bldP spid="50" grpId="0"/>
+    </p:bldLst>
+  </p:timing>
+</p:sld>
+</file>
+
+<file path=ppt/slides/slide3.xml><?xml version="1.0" encoding="utf-8"?>
+<p:sld xmlns:a="http://schemas.openxmlformats.org/drawingml/2006/main" xmlns:r="http://schemas.openxmlformats.org/officeDocument/2006/relationships" xmlns:p="http://schemas.openxmlformats.org/presentationml/2006/main">
+  <p:cSld>
+    <p:spTree>
+      <p:nvGrpSpPr>
+        <p:cNvPr id="1" name=""/>
+        <p:cNvGrpSpPr/>
+        <p:nvPr/>
+      </p:nvGrpSpPr>
+      <p:grpSpPr>
+        <a:xfrm>
+          <a:off x="0" y="0"/>
+          <a:ext cx="0" cy="0"/>
+          <a:chOff x="0" y="0"/>
+          <a:chExt cx="0" cy="0"/>
+        </a:xfrm>
+      </p:grpSpPr>
+      <p:sp>
+        <p:nvSpPr>
+          <p:cNvPr id="4" name="文本框 3">
+            <a:extLst>
+              <a:ext uri="{FF2B5EF4-FFF2-40B4-BE49-F238E27FC236}">
+                <a16:creationId xmlns:a16="http://schemas.microsoft.com/office/drawing/2014/main" id="{2DEEF9FE-AE2E-4953-B959-D530657DD363}"/>
+              </a:ext>
+            </a:extLst>
+          </p:cNvPr>
+          <p:cNvSpPr txBox="1"/>
+          <p:nvPr/>
+        </p:nvSpPr>
+        <p:spPr>
+          <a:xfrm>
+            <a:off x="43544" y="0"/>
+            <a:ext cx="4411227" cy="646331"/>
+          </a:xfrm>
+          <a:prstGeom prst="rect">
+            <a:avLst/>
+          </a:prstGeom>
+          <a:noFill/>
+        </p:spPr>
+        <p:txBody>
+          <a:bodyPr wrap="square" rtlCol="0">
+            <a:spAutoFit/>
+          </a:bodyPr>
+          <a:lstStyle/>
+          <a:p>
+            <a:r>
+              <a:rPr lang="en-US" altLang="zh-CN" sz="3600" dirty="0"/>
+              <a:t>leetcode04</a:t>
+            </a:r>
+            <a:endParaRPr lang="zh-CN" altLang="en-US" sz="3600" dirty="0"/>
+          </a:p>
+        </p:txBody>
+      </p:sp>
+    </p:spTree>
+    <p:extLst>
+      <p:ext uri="{BB962C8B-B14F-4D97-AF65-F5344CB8AC3E}">
+        <p14:creationId xmlns:p14="http://schemas.microsoft.com/office/powerpoint/2010/main" val="2168298347"/>
+      </p:ext>
+    </p:extLst>
+  </p:cSld>
+  <p:clrMapOvr>
+    <a:masterClrMapping/>
+  </p:clrMapOvr>
+</p:sld>
+</file>
+
 <file path=ppt/theme/theme1.xml><?xml version="1.0" encoding="utf-8"?>
 <a:theme xmlns:a="http://schemas.openxmlformats.org/drawingml/2006/main" name="Office 主题​​">
   <a:themeElements>
